--- a/갓생살기.ver1.pptx
+++ b/갓생살기.ver1.pptx
@@ -1,6 +1,6 @@
 
 <file path=ppt/presentation.xml><?xml version="1.0" encoding="utf-8"?>
-<p:presentation xmlns:a="http://schemas.openxmlformats.org/drawingml/2006/main" xmlns:r="http://schemas.openxmlformats.org/officeDocument/2006/relationships" xmlns:p="http://schemas.openxmlformats.org/presentationml/2006/main" saveSubsetFonts="1">
+<p:presentation xmlns:a="http://schemas.openxmlformats.org/drawingml/2006/main" xmlns:r="http://schemas.openxmlformats.org/officeDocument/2006/relationships" xmlns:p="http://schemas.openxmlformats.org/presentationml/2006/main" embedTrueTypeFonts="1" saveSubsetFonts="1">
   <p:sldMasterIdLst>
     <p:sldMasterId id="2147483648" r:id="rId1"/>
   </p:sldMasterIdLst>
@@ -25,6 +25,24 @@
   </p:sldIdLst>
   <p:sldSz cx="12192000" cy="6858000"/>
   <p:notesSz cx="6858000" cy="9144000"/>
+  <p:embeddedFontLst>
+    <p:embeddedFont>
+      <p:font typeface="나눔손글씨 성실체" panose="02000503000000000000" pitchFamily="2" charset="-127"/>
+      <p:regular r:id="rId17"/>
+    </p:embeddedFont>
+    <p:embeddedFont>
+      <p:font typeface="맑은 고딕" panose="020B0503020000020004" pitchFamily="50" charset="-127"/>
+      <p:regular r:id="rId18"/>
+      <p:bold r:id="rId19"/>
+    </p:embeddedFont>
+    <p:embeddedFont>
+      <p:font typeface="Poppins" panose="00000500000000000000" pitchFamily="2" charset="0"/>
+      <p:regular r:id="rId20"/>
+      <p:bold r:id="rId21"/>
+      <p:italic r:id="rId22"/>
+      <p:boldItalic r:id="rId23"/>
+    </p:embeddedFont>
+  </p:embeddedFontLst>
   <p:defaultTextStyle>
     <a:defPPr>
       <a:defRPr lang="ko-KR"/>
@@ -222,7 +240,7 @@
           <a:p>
             <a:fld id="{FFF8F58C-1102-422A-AC9A-928B3A24AC2B}" type="datetimeFigureOut">
               <a:rPr lang="ko-KR" altLang="en-US" smtClean="0"/>
-              <a:t>2023-06-09</a:t>
+              <a:t>2023-06-12</a:t>
             </a:fld>
             <a:endParaRPr lang="ko-KR" altLang="en-US"/>
           </a:p>
@@ -1711,7 +1729,7 @@
           <a:p>
             <a:fld id="{D56FE042-7F34-425B-92DB-56366416E9FE}" type="datetimeFigureOut">
               <a:rPr lang="ko-KR" altLang="en-US" smtClean="0"/>
-              <a:t>2023-06-09</a:t>
+              <a:t>2023-06-12</a:t>
             </a:fld>
             <a:endParaRPr lang="ko-KR" altLang="en-US"/>
           </a:p>
@@ -1909,7 +1927,7 @@
           <a:p>
             <a:fld id="{D56FE042-7F34-425B-92DB-56366416E9FE}" type="datetimeFigureOut">
               <a:rPr lang="ko-KR" altLang="en-US" smtClean="0"/>
-              <a:t>2023-06-09</a:t>
+              <a:t>2023-06-12</a:t>
             </a:fld>
             <a:endParaRPr lang="ko-KR" altLang="en-US"/>
           </a:p>
@@ -2117,7 +2135,7 @@
           <a:p>
             <a:fld id="{D56FE042-7F34-425B-92DB-56366416E9FE}" type="datetimeFigureOut">
               <a:rPr lang="ko-KR" altLang="en-US" smtClean="0"/>
-              <a:t>2023-06-09</a:t>
+              <a:t>2023-06-12</a:t>
             </a:fld>
             <a:endParaRPr lang="ko-KR" altLang="en-US"/>
           </a:p>
@@ -9902,7 +9920,7 @@
           <a:p>
             <a:fld id="{D56FE042-7F34-425B-92DB-56366416E9FE}" type="datetimeFigureOut">
               <a:rPr lang="ko-KR" altLang="en-US" smtClean="0"/>
-              <a:t>2023-06-09</a:t>
+              <a:t>2023-06-12</a:t>
             </a:fld>
             <a:endParaRPr lang="ko-KR" altLang="en-US"/>
           </a:p>
@@ -10177,7 +10195,7 @@
           <a:p>
             <a:fld id="{D56FE042-7F34-425B-92DB-56366416E9FE}" type="datetimeFigureOut">
               <a:rPr lang="ko-KR" altLang="en-US" smtClean="0"/>
-              <a:t>2023-06-09</a:t>
+              <a:t>2023-06-12</a:t>
             </a:fld>
             <a:endParaRPr lang="ko-KR" altLang="en-US"/>
           </a:p>
@@ -10442,7 +10460,7 @@
           <a:p>
             <a:fld id="{D56FE042-7F34-425B-92DB-56366416E9FE}" type="datetimeFigureOut">
               <a:rPr lang="ko-KR" altLang="en-US" smtClean="0"/>
-              <a:t>2023-06-09</a:t>
+              <a:t>2023-06-12</a:t>
             </a:fld>
             <a:endParaRPr lang="ko-KR" altLang="en-US"/>
           </a:p>
@@ -10854,7 +10872,7 @@
           <a:p>
             <a:fld id="{D56FE042-7F34-425B-92DB-56366416E9FE}" type="datetimeFigureOut">
               <a:rPr lang="ko-KR" altLang="en-US" smtClean="0"/>
-              <a:t>2023-06-09</a:t>
+              <a:t>2023-06-12</a:t>
             </a:fld>
             <a:endParaRPr lang="ko-KR" altLang="en-US"/>
           </a:p>
@@ -10995,7 +11013,7 @@
           <a:p>
             <a:fld id="{D56FE042-7F34-425B-92DB-56366416E9FE}" type="datetimeFigureOut">
               <a:rPr lang="ko-KR" altLang="en-US" smtClean="0"/>
-              <a:t>2023-06-09</a:t>
+              <a:t>2023-06-12</a:t>
             </a:fld>
             <a:endParaRPr lang="ko-KR" altLang="en-US"/>
           </a:p>
@@ -11108,7 +11126,7 @@
           <a:p>
             <a:fld id="{D56FE042-7F34-425B-92DB-56366416E9FE}" type="datetimeFigureOut">
               <a:rPr lang="ko-KR" altLang="en-US" smtClean="0"/>
-              <a:t>2023-06-09</a:t>
+              <a:t>2023-06-12</a:t>
             </a:fld>
             <a:endParaRPr lang="ko-KR" altLang="en-US"/>
           </a:p>
@@ -11419,7 +11437,7 @@
           <a:p>
             <a:fld id="{D56FE042-7F34-425B-92DB-56366416E9FE}" type="datetimeFigureOut">
               <a:rPr lang="ko-KR" altLang="en-US" smtClean="0"/>
-              <a:t>2023-06-09</a:t>
+              <a:t>2023-06-12</a:t>
             </a:fld>
             <a:endParaRPr lang="ko-KR" altLang="en-US"/>
           </a:p>
@@ -11707,7 +11725,7 @@
           <a:p>
             <a:fld id="{D56FE042-7F34-425B-92DB-56366416E9FE}" type="datetimeFigureOut">
               <a:rPr lang="ko-KR" altLang="en-US" smtClean="0"/>
-              <a:t>2023-06-09</a:t>
+              <a:t>2023-06-12</a:t>
             </a:fld>
             <a:endParaRPr lang="ko-KR" altLang="en-US"/>
           </a:p>
@@ -11956,7 +11974,7 @@
           <a:p>
             <a:fld id="{D56FE042-7F34-425B-92DB-56366416E9FE}" type="datetimeFigureOut">
               <a:rPr lang="ko-KR" altLang="en-US" smtClean="0"/>
-              <a:t>2023-06-09</a:t>
+              <a:t>2023-06-12</a:t>
             </a:fld>
             <a:endParaRPr lang="ko-KR" altLang="en-US"/>
           </a:p>
